--- a/TE/infographic.pptx
+++ b/TE/infographic.pptx
@@ -5,7 +5,14 @@
     <p:sldMasterId id="2147483648" r:id="rId1"/>
   </p:sldMasterIdLst>
   <p:sldIdLst>
-    <p:sldId id="256" r:id="rId2"/>
+    <p:sldId id="257" r:id="rId2"/>
+    <p:sldId id="258" r:id="rId3"/>
+    <p:sldId id="262" r:id="rId4"/>
+    <p:sldId id="259" r:id="rId5"/>
+    <p:sldId id="263" r:id="rId6"/>
+    <p:sldId id="260" r:id="rId7"/>
+    <p:sldId id="256" r:id="rId8"/>
+    <p:sldId id="261" r:id="rId9"/>
   </p:sldIdLst>
   <p:sldSz cx="12192000" cy="6858000"/>
   <p:notesSz cx="6858000" cy="9144000"/>
@@ -104,6 +111,11 @@
       </a:defRPr>
     </a:lvl9pPr>
   </p:defaultTextStyle>
+  <p:extLst>
+    <p:ext uri="{EFAFB233-063F-42B5-8137-9DF3F51BA10A}">
+      <p15:sldGuideLst xmlns:p15="http://schemas.microsoft.com/office/powerpoint/2012/main"/>
+    </p:ext>
+  </p:extLst>
 </p:presentation>
 </file>
 
@@ -238,7 +250,7 @@
           <a:p>
             <a:fld id="{60A84BDC-FBD1-4FF9-BFB2-F92C03FDCEF5}" type="datetimeFigureOut">
               <a:rPr lang="en-US" smtClean="0"/>
-              <a:t>06/30/2017</a:t>
+              <a:t>7/3/2017</a:t>
             </a:fld>
             <a:endParaRPr lang="en-US"/>
           </a:p>
@@ -408,7 +420,7 @@
           <a:p>
             <a:fld id="{60A84BDC-FBD1-4FF9-BFB2-F92C03FDCEF5}" type="datetimeFigureOut">
               <a:rPr lang="en-US" smtClean="0"/>
-              <a:t>06/30/2017</a:t>
+              <a:t>7/3/2017</a:t>
             </a:fld>
             <a:endParaRPr lang="en-US"/>
           </a:p>
@@ -588,7 +600,7 @@
           <a:p>
             <a:fld id="{60A84BDC-FBD1-4FF9-BFB2-F92C03FDCEF5}" type="datetimeFigureOut">
               <a:rPr lang="en-US" smtClean="0"/>
-              <a:t>06/30/2017</a:t>
+              <a:t>7/3/2017</a:t>
             </a:fld>
             <a:endParaRPr lang="en-US"/>
           </a:p>
@@ -758,7 +770,7 @@
           <a:p>
             <a:fld id="{60A84BDC-FBD1-4FF9-BFB2-F92C03FDCEF5}" type="datetimeFigureOut">
               <a:rPr lang="en-US" smtClean="0"/>
-              <a:t>06/30/2017</a:t>
+              <a:t>7/3/2017</a:t>
             </a:fld>
             <a:endParaRPr lang="en-US"/>
           </a:p>
@@ -1004,7 +1016,7 @@
           <a:p>
             <a:fld id="{60A84BDC-FBD1-4FF9-BFB2-F92C03FDCEF5}" type="datetimeFigureOut">
               <a:rPr lang="en-US" smtClean="0"/>
-              <a:t>06/30/2017</a:t>
+              <a:t>7/3/2017</a:t>
             </a:fld>
             <a:endParaRPr lang="en-US"/>
           </a:p>
@@ -1236,7 +1248,7 @@
           <a:p>
             <a:fld id="{60A84BDC-FBD1-4FF9-BFB2-F92C03FDCEF5}" type="datetimeFigureOut">
               <a:rPr lang="en-US" smtClean="0"/>
-              <a:t>06/30/2017</a:t>
+              <a:t>7/3/2017</a:t>
             </a:fld>
             <a:endParaRPr lang="en-US"/>
           </a:p>
@@ -1603,7 +1615,7 @@
           <a:p>
             <a:fld id="{60A84BDC-FBD1-4FF9-BFB2-F92C03FDCEF5}" type="datetimeFigureOut">
               <a:rPr lang="en-US" smtClean="0"/>
-              <a:t>06/30/2017</a:t>
+              <a:t>7/3/2017</a:t>
             </a:fld>
             <a:endParaRPr lang="en-US"/>
           </a:p>
@@ -1721,7 +1733,7 @@
           <a:p>
             <a:fld id="{60A84BDC-FBD1-4FF9-BFB2-F92C03FDCEF5}" type="datetimeFigureOut">
               <a:rPr lang="en-US" smtClean="0"/>
-              <a:t>06/30/2017</a:t>
+              <a:t>7/3/2017</a:t>
             </a:fld>
             <a:endParaRPr lang="en-US"/>
           </a:p>
@@ -1816,7 +1828,7 @@
           <a:p>
             <a:fld id="{60A84BDC-FBD1-4FF9-BFB2-F92C03FDCEF5}" type="datetimeFigureOut">
               <a:rPr lang="en-US" smtClean="0"/>
-              <a:t>06/30/2017</a:t>
+              <a:t>7/3/2017</a:t>
             </a:fld>
             <a:endParaRPr lang="en-US"/>
           </a:p>
@@ -2093,7 +2105,7 @@
           <a:p>
             <a:fld id="{60A84BDC-FBD1-4FF9-BFB2-F92C03FDCEF5}" type="datetimeFigureOut">
               <a:rPr lang="en-US" smtClean="0"/>
-              <a:t>06/30/2017</a:t>
+              <a:t>7/3/2017</a:t>
             </a:fld>
             <a:endParaRPr lang="en-US"/>
           </a:p>
@@ -2346,7 +2358,7 @@
           <a:p>
             <a:fld id="{60A84BDC-FBD1-4FF9-BFB2-F92C03FDCEF5}" type="datetimeFigureOut">
               <a:rPr lang="en-US" smtClean="0"/>
-              <a:t>06/30/2017</a:t>
+              <a:t>7/3/2017</a:t>
             </a:fld>
             <a:endParaRPr lang="en-US"/>
           </a:p>
@@ -2559,7 +2571,7 @@
           <a:p>
             <a:fld id="{60A84BDC-FBD1-4FF9-BFB2-F92C03FDCEF5}" type="datetimeFigureOut">
               <a:rPr lang="en-US" smtClean="0"/>
-              <a:t>06/30/2017</a:t>
+              <a:t>7/3/2017</a:t>
             </a:fld>
             <a:endParaRPr lang="en-US"/>
           </a:p>
@@ -2964,6 +2976,438 @@
           <a:chExt cx="0" cy="0"/>
         </a:xfrm>
       </p:grpSpPr>
+      <p:sp>
+        <p:nvSpPr>
+          <p:cNvPr id="2" name="Title 1"/>
+          <p:cNvSpPr>
+            <a:spLocks noGrp="1"/>
+          </p:cNvSpPr>
+          <p:nvPr>
+            <p:ph type="ctrTitle"/>
+          </p:nvPr>
+        </p:nvSpPr>
+        <p:spPr/>
+        <p:txBody>
+          <a:bodyPr/>
+          <a:lstStyle/>
+          <a:p>
+            <a:r>
+              <a:rPr lang="en-US" dirty="0" smtClean="0"/>
+              <a:t>Title</a:t>
+            </a:r>
+            <a:endParaRPr lang="en-US" dirty="0"/>
+          </a:p>
+        </p:txBody>
+      </p:sp>
+      <p:sp>
+        <p:nvSpPr>
+          <p:cNvPr id="3" name="Subtitle 2"/>
+          <p:cNvSpPr>
+            <a:spLocks noGrp="1"/>
+          </p:cNvSpPr>
+          <p:nvPr>
+            <p:ph type="subTitle" idx="1"/>
+          </p:nvPr>
+        </p:nvSpPr>
+        <p:spPr/>
+        <p:txBody>
+          <a:bodyPr/>
+          <a:lstStyle/>
+          <a:p>
+            <a:endParaRPr lang="en-US"/>
+          </a:p>
+        </p:txBody>
+      </p:sp>
+    </p:spTree>
+    <p:extLst>
+      <p:ext uri="{BB962C8B-B14F-4D97-AF65-F5344CB8AC3E}">
+        <p14:creationId xmlns:p14="http://schemas.microsoft.com/office/powerpoint/2010/main" val="2443611327"/>
+      </p:ext>
+    </p:extLst>
+  </p:cSld>
+  <p:clrMapOvr>
+    <a:masterClrMapping/>
+  </p:clrMapOvr>
+</p:sld>
+</file>
+
+<file path=ppt/slides/slide2.xml><?xml version="1.0" encoding="utf-8"?>
+<p:sld xmlns:a="http://schemas.openxmlformats.org/drawingml/2006/main" xmlns:r="http://schemas.openxmlformats.org/officeDocument/2006/relationships" xmlns:p="http://schemas.openxmlformats.org/presentationml/2006/main">
+  <p:cSld>
+    <p:spTree>
+      <p:nvGrpSpPr>
+        <p:cNvPr id="1" name=""/>
+        <p:cNvGrpSpPr/>
+        <p:nvPr/>
+      </p:nvGrpSpPr>
+      <p:grpSpPr>
+        <a:xfrm>
+          <a:off x="0" y="0"/>
+          <a:ext cx="0" cy="0"/>
+          <a:chOff x="0" y="0"/>
+          <a:chExt cx="0" cy="0"/>
+        </a:xfrm>
+      </p:grpSpPr>
+      <p:sp>
+        <p:nvSpPr>
+          <p:cNvPr id="2" name="Title 1"/>
+          <p:cNvSpPr>
+            <a:spLocks noGrp="1"/>
+          </p:cNvSpPr>
+          <p:nvPr>
+            <p:ph type="title"/>
+          </p:nvPr>
+        </p:nvSpPr>
+        <p:spPr/>
+        <p:txBody>
+          <a:bodyPr/>
+          <a:lstStyle/>
+          <a:p>
+            <a:r>
+              <a:rPr lang="en-US" dirty="0" smtClean="0"/>
+              <a:t>Abstract</a:t>
+            </a:r>
+            <a:endParaRPr lang="en-US" dirty="0"/>
+          </a:p>
+        </p:txBody>
+      </p:sp>
+      <p:sp>
+        <p:nvSpPr>
+          <p:cNvPr id="3" name="Content Placeholder 2"/>
+          <p:cNvSpPr>
+            <a:spLocks noGrp="1"/>
+          </p:cNvSpPr>
+          <p:nvPr>
+            <p:ph idx="1"/>
+          </p:nvPr>
+        </p:nvSpPr>
+        <p:spPr/>
+        <p:txBody>
+          <a:bodyPr/>
+          <a:lstStyle/>
+          <a:p>
+            <a:endParaRPr lang="en-US" dirty="0"/>
+          </a:p>
+        </p:txBody>
+      </p:sp>
+    </p:spTree>
+    <p:extLst>
+      <p:ext uri="{BB962C8B-B14F-4D97-AF65-F5344CB8AC3E}">
+        <p14:creationId xmlns:p14="http://schemas.microsoft.com/office/powerpoint/2010/main" val="2163746313"/>
+      </p:ext>
+    </p:extLst>
+  </p:cSld>
+  <p:clrMapOvr>
+    <a:masterClrMapping/>
+  </p:clrMapOvr>
+</p:sld>
+</file>
+
+<file path=ppt/slides/slide3.xml><?xml version="1.0" encoding="utf-8"?>
+<p:sld xmlns:a="http://schemas.openxmlformats.org/drawingml/2006/main" xmlns:r="http://schemas.openxmlformats.org/officeDocument/2006/relationships" xmlns:p="http://schemas.openxmlformats.org/presentationml/2006/main">
+  <p:cSld>
+    <p:spTree>
+      <p:nvGrpSpPr>
+        <p:cNvPr id="1" name=""/>
+        <p:cNvGrpSpPr/>
+        <p:nvPr/>
+      </p:nvGrpSpPr>
+      <p:grpSpPr>
+        <a:xfrm>
+          <a:off x="0" y="0"/>
+          <a:ext cx="0" cy="0"/>
+          <a:chOff x="0" y="0"/>
+          <a:chExt cx="0" cy="0"/>
+        </a:xfrm>
+      </p:grpSpPr>
+      <p:sp>
+        <p:nvSpPr>
+          <p:cNvPr id="2" name="Title 1"/>
+          <p:cNvSpPr>
+            <a:spLocks noGrp="1"/>
+          </p:cNvSpPr>
+          <p:nvPr>
+            <p:ph type="title"/>
+          </p:nvPr>
+        </p:nvSpPr>
+        <p:spPr/>
+        <p:txBody>
+          <a:bodyPr/>
+          <a:lstStyle/>
+          <a:p>
+            <a:r>
+              <a:rPr lang="en-US" dirty="0" smtClean="0"/>
+              <a:t>Background</a:t>
+            </a:r>
+            <a:endParaRPr lang="en-US" dirty="0"/>
+          </a:p>
+        </p:txBody>
+      </p:sp>
+      <p:sp>
+        <p:nvSpPr>
+          <p:cNvPr id="3" name="Content Placeholder 2"/>
+          <p:cNvSpPr>
+            <a:spLocks noGrp="1"/>
+          </p:cNvSpPr>
+          <p:nvPr>
+            <p:ph idx="1"/>
+          </p:nvPr>
+        </p:nvSpPr>
+        <p:spPr/>
+        <p:txBody>
+          <a:bodyPr/>
+          <a:lstStyle/>
+          <a:p>
+            <a:endParaRPr lang="en-US"/>
+          </a:p>
+        </p:txBody>
+      </p:sp>
+    </p:spTree>
+    <p:extLst>
+      <p:ext uri="{BB962C8B-B14F-4D97-AF65-F5344CB8AC3E}">
+        <p14:creationId xmlns:p14="http://schemas.microsoft.com/office/powerpoint/2010/main" val="423536800"/>
+      </p:ext>
+    </p:extLst>
+  </p:cSld>
+  <p:clrMapOvr>
+    <a:masterClrMapping/>
+  </p:clrMapOvr>
+</p:sld>
+</file>
+
+<file path=ppt/slides/slide4.xml><?xml version="1.0" encoding="utf-8"?>
+<p:sld xmlns:a="http://schemas.openxmlformats.org/drawingml/2006/main" xmlns:r="http://schemas.openxmlformats.org/officeDocument/2006/relationships" xmlns:p="http://schemas.openxmlformats.org/presentationml/2006/main">
+  <p:cSld>
+    <p:spTree>
+      <p:nvGrpSpPr>
+        <p:cNvPr id="1" name=""/>
+        <p:cNvGrpSpPr/>
+        <p:nvPr/>
+      </p:nvGrpSpPr>
+      <p:grpSpPr>
+        <a:xfrm>
+          <a:off x="0" y="0"/>
+          <a:ext cx="0" cy="0"/>
+          <a:chOff x="0" y="0"/>
+          <a:chExt cx="0" cy="0"/>
+        </a:xfrm>
+      </p:grpSpPr>
+      <p:sp>
+        <p:nvSpPr>
+          <p:cNvPr id="2" name="Title 1"/>
+          <p:cNvSpPr>
+            <a:spLocks noGrp="1"/>
+          </p:cNvSpPr>
+          <p:nvPr>
+            <p:ph type="title"/>
+          </p:nvPr>
+        </p:nvSpPr>
+        <p:spPr/>
+        <p:txBody>
+          <a:bodyPr/>
+          <a:lstStyle/>
+          <a:p>
+            <a:r>
+              <a:rPr lang="en-US" dirty="0" smtClean="0"/>
+              <a:t>Data Loading/Prep</a:t>
+            </a:r>
+            <a:endParaRPr lang="en-US" dirty="0"/>
+          </a:p>
+        </p:txBody>
+      </p:sp>
+      <p:sp>
+        <p:nvSpPr>
+          <p:cNvPr id="3" name="Content Placeholder 2"/>
+          <p:cNvSpPr>
+            <a:spLocks noGrp="1"/>
+          </p:cNvSpPr>
+          <p:nvPr>
+            <p:ph idx="1"/>
+          </p:nvPr>
+        </p:nvSpPr>
+        <p:spPr/>
+        <p:txBody>
+          <a:bodyPr/>
+          <a:lstStyle/>
+          <a:p>
+            <a:endParaRPr lang="en-US" dirty="0"/>
+          </a:p>
+        </p:txBody>
+      </p:sp>
+    </p:spTree>
+    <p:extLst>
+      <p:ext uri="{BB962C8B-B14F-4D97-AF65-F5344CB8AC3E}">
+        <p14:creationId xmlns:p14="http://schemas.microsoft.com/office/powerpoint/2010/main" val="3117168750"/>
+      </p:ext>
+    </p:extLst>
+  </p:cSld>
+  <p:clrMapOvr>
+    <a:masterClrMapping/>
+  </p:clrMapOvr>
+</p:sld>
+</file>
+
+<file path=ppt/slides/slide5.xml><?xml version="1.0" encoding="utf-8"?>
+<p:sld xmlns:a="http://schemas.openxmlformats.org/drawingml/2006/main" xmlns:r="http://schemas.openxmlformats.org/officeDocument/2006/relationships" xmlns:p="http://schemas.openxmlformats.org/presentationml/2006/main">
+  <p:cSld>
+    <p:spTree>
+      <p:nvGrpSpPr>
+        <p:cNvPr id="1" name=""/>
+        <p:cNvGrpSpPr/>
+        <p:nvPr/>
+      </p:nvGrpSpPr>
+      <p:grpSpPr>
+        <a:xfrm>
+          <a:off x="0" y="0"/>
+          <a:ext cx="0" cy="0"/>
+          <a:chOff x="0" y="0"/>
+          <a:chExt cx="0" cy="0"/>
+        </a:xfrm>
+      </p:grpSpPr>
+      <p:sp>
+        <p:nvSpPr>
+          <p:cNvPr id="2" name="Title 1"/>
+          <p:cNvSpPr>
+            <a:spLocks noGrp="1"/>
+          </p:cNvSpPr>
+          <p:nvPr>
+            <p:ph type="title"/>
+          </p:nvPr>
+        </p:nvSpPr>
+        <p:spPr/>
+        <p:txBody>
+          <a:bodyPr/>
+          <a:lstStyle/>
+          <a:p>
+            <a:r>
+              <a:rPr lang="en-US" dirty="0" smtClean="0"/>
+              <a:t>Methods</a:t>
+            </a:r>
+            <a:endParaRPr lang="en-US" dirty="0"/>
+          </a:p>
+        </p:txBody>
+      </p:sp>
+      <p:sp>
+        <p:nvSpPr>
+          <p:cNvPr id="3" name="Content Placeholder 2"/>
+          <p:cNvSpPr>
+            <a:spLocks noGrp="1"/>
+          </p:cNvSpPr>
+          <p:nvPr>
+            <p:ph idx="1"/>
+          </p:nvPr>
+        </p:nvSpPr>
+        <p:spPr/>
+        <p:txBody>
+          <a:bodyPr/>
+          <a:lstStyle/>
+          <a:p>
+            <a:endParaRPr lang="en-US"/>
+          </a:p>
+        </p:txBody>
+      </p:sp>
+    </p:spTree>
+    <p:extLst>
+      <p:ext uri="{BB962C8B-B14F-4D97-AF65-F5344CB8AC3E}">
+        <p14:creationId xmlns:p14="http://schemas.microsoft.com/office/powerpoint/2010/main" val="4203658968"/>
+      </p:ext>
+    </p:extLst>
+  </p:cSld>
+  <p:clrMapOvr>
+    <a:masterClrMapping/>
+  </p:clrMapOvr>
+</p:sld>
+</file>
+
+<file path=ppt/slides/slide6.xml><?xml version="1.0" encoding="utf-8"?>
+<p:sld xmlns:a="http://schemas.openxmlformats.org/drawingml/2006/main" xmlns:r="http://schemas.openxmlformats.org/officeDocument/2006/relationships" xmlns:p="http://schemas.openxmlformats.org/presentationml/2006/main">
+  <p:cSld>
+    <p:spTree>
+      <p:nvGrpSpPr>
+        <p:cNvPr id="1" name=""/>
+        <p:cNvGrpSpPr/>
+        <p:nvPr/>
+      </p:nvGrpSpPr>
+      <p:grpSpPr>
+        <a:xfrm>
+          <a:off x="0" y="0"/>
+          <a:ext cx="0" cy="0"/>
+          <a:chOff x="0" y="0"/>
+          <a:chExt cx="0" cy="0"/>
+        </a:xfrm>
+      </p:grpSpPr>
+      <p:sp>
+        <p:nvSpPr>
+          <p:cNvPr id="2" name="Title 1"/>
+          <p:cNvSpPr>
+            <a:spLocks noGrp="1"/>
+          </p:cNvSpPr>
+          <p:nvPr>
+            <p:ph type="title"/>
+          </p:nvPr>
+        </p:nvSpPr>
+        <p:spPr/>
+        <p:txBody>
+          <a:bodyPr/>
+          <a:lstStyle/>
+          <a:p>
+            <a:r>
+              <a:rPr lang="en-US" dirty="0" smtClean="0"/>
+              <a:t>Exploratory</a:t>
+            </a:r>
+            <a:endParaRPr lang="en-US" dirty="0"/>
+          </a:p>
+        </p:txBody>
+      </p:sp>
+      <p:sp>
+        <p:nvSpPr>
+          <p:cNvPr id="3" name="Content Placeholder 2"/>
+          <p:cNvSpPr>
+            <a:spLocks noGrp="1"/>
+          </p:cNvSpPr>
+          <p:nvPr>
+            <p:ph idx="1"/>
+          </p:nvPr>
+        </p:nvSpPr>
+        <p:spPr/>
+        <p:txBody>
+          <a:bodyPr/>
+          <a:lstStyle/>
+          <a:p>
+            <a:endParaRPr lang="en-US" dirty="0"/>
+          </a:p>
+        </p:txBody>
+      </p:sp>
+    </p:spTree>
+    <p:extLst>
+      <p:ext uri="{BB962C8B-B14F-4D97-AF65-F5344CB8AC3E}">
+        <p14:creationId xmlns:p14="http://schemas.microsoft.com/office/powerpoint/2010/main" val="4270067039"/>
+      </p:ext>
+    </p:extLst>
+  </p:cSld>
+  <p:clrMapOvr>
+    <a:masterClrMapping/>
+  </p:clrMapOvr>
+</p:sld>
+</file>
+
+<file path=ppt/slides/slide7.xml><?xml version="1.0" encoding="utf-8"?>
+<p:sld xmlns:a="http://schemas.openxmlformats.org/drawingml/2006/main" xmlns:r="http://schemas.openxmlformats.org/officeDocument/2006/relationships" xmlns:p="http://schemas.openxmlformats.org/presentationml/2006/main">
+  <p:cSld>
+    <p:spTree>
+      <p:nvGrpSpPr>
+        <p:cNvPr id="1" name=""/>
+        <p:cNvGrpSpPr/>
+        <p:nvPr/>
+      </p:nvGrpSpPr>
+      <p:grpSpPr>
+        <a:xfrm>
+          <a:off x="0" y="0"/>
+          <a:ext cx="0" cy="0"/>
+          <a:chOff x="0" y="0"/>
+          <a:chExt cx="0" cy="0"/>
+        </a:xfrm>
+      </p:grpSpPr>
       <p:pic>
         <p:nvPicPr>
           <p:cNvPr id="27" name="Picture 26"/>
@@ -3208,8 +3652,8 @@
           </a:p>
         </p:txBody>
       </p:sp>
-      <mc:AlternateContent xmlns:mc="http://schemas.openxmlformats.org/markup-compatibility/2006">
-        <mc:Choice xmlns:a14="http://schemas.microsoft.com/office/drawing/2010/main" Requires="a14">
+      <mc:AlternateContent xmlns:mc="http://schemas.openxmlformats.org/markup-compatibility/2006" xmlns:a14="http://schemas.microsoft.com/office/drawing/2010/main">
+        <mc:Choice Requires="a14">
           <p:sp>
             <p:nvSpPr>
               <p:cNvPr id="10" name="TextBox 9"/>
@@ -3425,7 +3869,7 @@
             </p:txBody>
           </p:sp>
         </mc:Choice>
-        <mc:Fallback>
+        <mc:Fallback xmlns="">
           <p:sp>
             <p:nvSpPr>
               <p:cNvPr id="10" name="TextBox 9"/>
@@ -3464,8 +3908,8 @@
           </p:sp>
         </mc:Fallback>
       </mc:AlternateContent>
-      <mc:AlternateContent xmlns:mc="http://schemas.openxmlformats.org/markup-compatibility/2006">
-        <mc:Choice xmlns:a14="http://schemas.microsoft.com/office/drawing/2010/main" Requires="a14">
+      <mc:AlternateContent xmlns:mc="http://schemas.openxmlformats.org/markup-compatibility/2006" xmlns:a14="http://schemas.microsoft.com/office/drawing/2010/main">
+        <mc:Choice Requires="a14">
           <p:sp>
             <p:nvSpPr>
               <p:cNvPr id="11" name="TextBox 10"/>
@@ -3662,7 +4106,7 @@
             </p:txBody>
           </p:sp>
         </mc:Choice>
-        <mc:Fallback>
+        <mc:Fallback xmlns="">
           <p:sp>
             <p:nvSpPr>
               <p:cNvPr id="11" name="TextBox 10"/>
@@ -4203,11 +4647,7 @@
             </a:r>
             <a:r>
               <a:rPr lang="en-US" sz="1400" dirty="0" smtClean="0"/>
-              <a:t> </a:t>
-            </a:r>
-            <a:r>
-              <a:rPr lang="en-US" sz="1400" dirty="0" smtClean="0"/>
-              <a:t>= 7.815</a:t>
+              <a:t> = 7.815</a:t>
             </a:r>
           </a:p>
           <a:p>
@@ -4225,11 +4665,7 @@
             </a:r>
             <a:r>
               <a:rPr lang="en-US" sz="1400" dirty="0" smtClean="0"/>
-              <a:t> </a:t>
-            </a:r>
-            <a:r>
-              <a:rPr lang="en-US" sz="1400" dirty="0" smtClean="0"/>
-              <a:t>= 9.043: Greater than </a:t>
+              <a:t> = 9.043: Greater than </a:t>
             </a:r>
             <a:r>
               <a:rPr lang="el-GR" sz="1400" dirty="0" smtClean="0"/>
@@ -4961,15 +5397,7 @@
             </a:r>
             <a:r>
               <a:rPr lang="en-US" sz="1400" dirty="0" smtClean="0"/>
-              <a:t> – </a:t>
-            </a:r>
-            <a:r>
-              <a:rPr lang="en-US" sz="1400" dirty="0" smtClean="0"/>
-              <a:t>not affected by </a:t>
-            </a:r>
-            <a:r>
-              <a:rPr lang="en-US" sz="1400" dirty="0" smtClean="0"/>
-              <a:t>time/distance</a:t>
+              <a:t> – not affected by time/distance</a:t>
             </a:r>
             <a:endParaRPr lang="en-US" sz="1400" dirty="0"/>
           </a:p>
@@ -5414,6 +5842,78 @@
     <p:extLst>
       <p:ext uri="{BB962C8B-B14F-4D97-AF65-F5344CB8AC3E}">
         <p14:creationId xmlns:p14="http://schemas.microsoft.com/office/powerpoint/2010/main" val="4190035890"/>
+      </p:ext>
+    </p:extLst>
+  </p:cSld>
+  <p:clrMapOvr>
+    <a:masterClrMapping/>
+  </p:clrMapOvr>
+</p:sld>
+</file>
+
+<file path=ppt/slides/slide8.xml><?xml version="1.0" encoding="utf-8"?>
+<p:sld xmlns:a="http://schemas.openxmlformats.org/drawingml/2006/main" xmlns:r="http://schemas.openxmlformats.org/officeDocument/2006/relationships" xmlns:p="http://schemas.openxmlformats.org/presentationml/2006/main">
+  <p:cSld>
+    <p:spTree>
+      <p:nvGrpSpPr>
+        <p:cNvPr id="1" name=""/>
+        <p:cNvGrpSpPr/>
+        <p:nvPr/>
+      </p:nvGrpSpPr>
+      <p:grpSpPr>
+        <a:xfrm>
+          <a:off x="0" y="0"/>
+          <a:ext cx="0" cy="0"/>
+          <a:chOff x="0" y="0"/>
+          <a:chExt cx="0" cy="0"/>
+        </a:xfrm>
+      </p:grpSpPr>
+      <p:sp>
+        <p:nvSpPr>
+          <p:cNvPr id="2" name="Title 1"/>
+          <p:cNvSpPr>
+            <a:spLocks noGrp="1"/>
+          </p:cNvSpPr>
+          <p:nvPr>
+            <p:ph type="title"/>
+          </p:nvPr>
+        </p:nvSpPr>
+        <p:spPr/>
+        <p:txBody>
+          <a:bodyPr/>
+          <a:lstStyle/>
+          <a:p>
+            <a:r>
+              <a:rPr lang="en-US" dirty="0" smtClean="0"/>
+              <a:t>Conclusion/Discussions</a:t>
+            </a:r>
+            <a:endParaRPr lang="en-US" dirty="0"/>
+          </a:p>
+        </p:txBody>
+      </p:sp>
+      <p:sp>
+        <p:nvSpPr>
+          <p:cNvPr id="3" name="Content Placeholder 2"/>
+          <p:cNvSpPr>
+            <a:spLocks noGrp="1"/>
+          </p:cNvSpPr>
+          <p:nvPr>
+            <p:ph idx="1"/>
+          </p:nvPr>
+        </p:nvSpPr>
+        <p:spPr/>
+        <p:txBody>
+          <a:bodyPr/>
+          <a:lstStyle/>
+          <a:p>
+            <a:endParaRPr lang="en-US"/>
+          </a:p>
+        </p:txBody>
+      </p:sp>
+    </p:spTree>
+    <p:extLst>
+      <p:ext uri="{BB962C8B-B14F-4D97-AF65-F5344CB8AC3E}">
+        <p14:creationId xmlns:p14="http://schemas.microsoft.com/office/powerpoint/2010/main" val="721653042"/>
       </p:ext>
     </p:extLst>
   </p:cSld>
